--- a/Conceptual-ER.pptx
+++ b/Conceptual-ER.pptx
@@ -9,8 +9,10 @@
     <p:sldId id="257" r:id="rId3"/>
     <p:sldId id="263" r:id="rId4"/>
     <p:sldId id="261" r:id="rId5"/>
-    <p:sldId id="265" r:id="rId6"/>
-    <p:sldId id="262" r:id="rId7"/>
+    <p:sldId id="266" r:id="rId6"/>
+    <p:sldId id="265" r:id="rId7"/>
+    <p:sldId id="267" r:id="rId8"/>
+    <p:sldId id="262" r:id="rId9"/>
   </p:sldIdLst>
   <p:sldSz cx="12192000" cy="6858000"/>
   <p:notesSz cx="6858000" cy="9144000"/>
@@ -264,7 +266,7 @@
           <a:p>
             <a:fld id="{34639355-8147-4CC3-BBEA-F46D6FB2E684}" type="datetimeFigureOut">
               <a:rPr lang="en-US" smtClean="0"/>
-              <a:t>4/12/2019</a:t>
+              <a:t>4/17/2019</a:t>
             </a:fld>
             <a:endParaRPr lang="en-US"/>
           </a:p>
@@ -462,7 +464,7 @@
           <a:p>
             <a:fld id="{34639355-8147-4CC3-BBEA-F46D6FB2E684}" type="datetimeFigureOut">
               <a:rPr lang="en-US" smtClean="0"/>
-              <a:t>4/12/2019</a:t>
+              <a:t>4/17/2019</a:t>
             </a:fld>
             <a:endParaRPr lang="en-US"/>
           </a:p>
@@ -670,7 +672,7 @@
           <a:p>
             <a:fld id="{34639355-8147-4CC3-BBEA-F46D6FB2E684}" type="datetimeFigureOut">
               <a:rPr lang="en-US" smtClean="0"/>
-              <a:t>4/12/2019</a:t>
+              <a:t>4/17/2019</a:t>
             </a:fld>
             <a:endParaRPr lang="en-US"/>
           </a:p>
@@ -868,7 +870,7 @@
           <a:p>
             <a:fld id="{34639355-8147-4CC3-BBEA-F46D6FB2E684}" type="datetimeFigureOut">
               <a:rPr lang="en-US" smtClean="0"/>
-              <a:t>4/12/2019</a:t>
+              <a:t>4/17/2019</a:t>
             </a:fld>
             <a:endParaRPr lang="en-US"/>
           </a:p>
@@ -1143,7 +1145,7 @@
           <a:p>
             <a:fld id="{34639355-8147-4CC3-BBEA-F46D6FB2E684}" type="datetimeFigureOut">
               <a:rPr lang="en-US" smtClean="0"/>
-              <a:t>4/12/2019</a:t>
+              <a:t>4/17/2019</a:t>
             </a:fld>
             <a:endParaRPr lang="en-US"/>
           </a:p>
@@ -1408,7 +1410,7 @@
           <a:p>
             <a:fld id="{34639355-8147-4CC3-BBEA-F46D6FB2E684}" type="datetimeFigureOut">
               <a:rPr lang="en-US" smtClean="0"/>
-              <a:t>4/12/2019</a:t>
+              <a:t>4/17/2019</a:t>
             </a:fld>
             <a:endParaRPr lang="en-US"/>
           </a:p>
@@ -1820,7 +1822,7 @@
           <a:p>
             <a:fld id="{34639355-8147-4CC3-BBEA-F46D6FB2E684}" type="datetimeFigureOut">
               <a:rPr lang="en-US" smtClean="0"/>
-              <a:t>4/12/2019</a:t>
+              <a:t>4/17/2019</a:t>
             </a:fld>
             <a:endParaRPr lang="en-US"/>
           </a:p>
@@ -1961,7 +1963,7 @@
           <a:p>
             <a:fld id="{34639355-8147-4CC3-BBEA-F46D6FB2E684}" type="datetimeFigureOut">
               <a:rPr lang="en-US" smtClean="0"/>
-              <a:t>4/12/2019</a:t>
+              <a:t>4/17/2019</a:t>
             </a:fld>
             <a:endParaRPr lang="en-US"/>
           </a:p>
@@ -2074,7 +2076,7 @@
           <a:p>
             <a:fld id="{34639355-8147-4CC3-BBEA-F46D6FB2E684}" type="datetimeFigureOut">
               <a:rPr lang="en-US" smtClean="0"/>
-              <a:t>4/12/2019</a:t>
+              <a:t>4/17/2019</a:t>
             </a:fld>
             <a:endParaRPr lang="en-US"/>
           </a:p>
@@ -2385,7 +2387,7 @@
           <a:p>
             <a:fld id="{34639355-8147-4CC3-BBEA-F46D6FB2E684}" type="datetimeFigureOut">
               <a:rPr lang="en-US" smtClean="0"/>
-              <a:t>4/12/2019</a:t>
+              <a:t>4/17/2019</a:t>
             </a:fld>
             <a:endParaRPr lang="en-US"/>
           </a:p>
@@ -2673,7 +2675,7 @@
           <a:p>
             <a:fld id="{34639355-8147-4CC3-BBEA-F46D6FB2E684}" type="datetimeFigureOut">
               <a:rPr lang="en-US" smtClean="0"/>
-              <a:t>4/12/2019</a:t>
+              <a:t>4/17/2019</a:t>
             </a:fld>
             <a:endParaRPr lang="en-US"/>
           </a:p>
@@ -2914,7 +2916,7 @@
           <a:p>
             <a:fld id="{34639355-8147-4CC3-BBEA-F46D6FB2E684}" type="datetimeFigureOut">
               <a:rPr lang="en-US" smtClean="0"/>
-              <a:t>4/12/2019</a:t>
+              <a:t>4/17/2019</a:t>
             </a:fld>
             <a:endParaRPr lang="en-US"/>
           </a:p>
@@ -3909,6 +3911,66 @@
       </p:grpSpPr>
       <p:pic>
         <p:nvPicPr>
+          <p:cNvPr id="4" name="Picture 3">
+            <a:extLst>
+              <a:ext uri="{FF2B5EF4-FFF2-40B4-BE49-F238E27FC236}">
+                <a16:creationId xmlns:a16="http://schemas.microsoft.com/office/drawing/2014/main" id="{586CD5ED-13BA-4D76-A971-8F9F070B27F1}"/>
+              </a:ext>
+            </a:extLst>
+          </p:cNvPr>
+          <p:cNvPicPr>
+            <a:picLocks noChangeAspect="1"/>
+          </p:cNvPicPr>
+          <p:nvPr/>
+        </p:nvPicPr>
+        <p:blipFill>
+          <a:blip r:embed="rId2"/>
+          <a:stretch>
+            <a:fillRect/>
+          </a:stretch>
+        </p:blipFill>
+        <p:spPr>
+          <a:xfrm>
+            <a:off x="1941172" y="276050"/>
+            <a:ext cx="8745528" cy="5647714"/>
+          </a:xfrm>
+          <a:prstGeom prst="rect">
+            <a:avLst/>
+          </a:prstGeom>
+        </p:spPr>
+      </p:pic>
+    </p:spTree>
+    <p:extLst>
+      <p:ext uri="{BB962C8B-B14F-4D97-AF65-F5344CB8AC3E}">
+        <p14:creationId xmlns:p14="http://schemas.microsoft.com/office/powerpoint/2010/main" val="2242355615"/>
+      </p:ext>
+    </p:extLst>
+  </p:cSld>
+  <p:clrMapOvr>
+    <a:masterClrMapping/>
+  </p:clrMapOvr>
+</p:sld>
+</file>
+
+<file path=ppt/slides/slide6.xml><?xml version="1.0" encoding="utf-8"?>
+<p:sld xmlns:a="http://schemas.openxmlformats.org/drawingml/2006/main" xmlns:r="http://schemas.openxmlformats.org/officeDocument/2006/relationships" xmlns:p="http://schemas.openxmlformats.org/presentationml/2006/main">
+  <p:cSld>
+    <p:spTree>
+      <p:nvGrpSpPr>
+        <p:cNvPr id="1" name=""/>
+        <p:cNvGrpSpPr/>
+        <p:nvPr/>
+      </p:nvGrpSpPr>
+      <p:grpSpPr>
+        <a:xfrm>
+          <a:off x="0" y="0"/>
+          <a:ext cx="0" cy="0"/>
+          <a:chOff x="0" y="0"/>
+          <a:chExt cx="0" cy="0"/>
+        </a:xfrm>
+      </p:grpSpPr>
+      <p:pic>
+        <p:nvPicPr>
           <p:cNvPr id="5" name="Picture 4">
             <a:extLst>
               <a:ext uri="{FF2B5EF4-FFF2-40B4-BE49-F238E27FC236}">
@@ -3950,7 +4012,141 @@
 </p:sld>
 </file>
 
-<file path=ppt/slides/slide6.xml><?xml version="1.0" encoding="utf-8"?>
+<file path=ppt/slides/slide7.xml><?xml version="1.0" encoding="utf-8"?>
+<p:sld xmlns:a="http://schemas.openxmlformats.org/drawingml/2006/main" xmlns:r="http://schemas.openxmlformats.org/officeDocument/2006/relationships" xmlns:p="http://schemas.openxmlformats.org/presentationml/2006/main">
+  <p:cSld>
+    <p:spTree>
+      <p:nvGrpSpPr>
+        <p:cNvPr id="1" name=""/>
+        <p:cNvGrpSpPr/>
+        <p:nvPr/>
+      </p:nvGrpSpPr>
+      <p:grpSpPr>
+        <a:xfrm>
+          <a:off x="0" y="0"/>
+          <a:ext cx="0" cy="0"/>
+          <a:chOff x="0" y="0"/>
+          <a:chExt cx="0" cy="0"/>
+        </a:xfrm>
+      </p:grpSpPr>
+      <p:sp>
+        <p:nvSpPr>
+          <p:cNvPr id="3" name="Content Placeholder 2">
+            <a:extLst>
+              <a:ext uri="{FF2B5EF4-FFF2-40B4-BE49-F238E27FC236}">
+                <a16:creationId xmlns:a16="http://schemas.microsoft.com/office/drawing/2014/main" id="{BEC27076-FE96-4E20-B697-6915D6AA05DE}"/>
+              </a:ext>
+            </a:extLst>
+          </p:cNvPr>
+          <p:cNvSpPr>
+            <a:spLocks noGrp="1"/>
+          </p:cNvSpPr>
+          <p:nvPr>
+            <p:ph idx="1"/>
+          </p:nvPr>
+        </p:nvSpPr>
+        <p:spPr>
+          <a:xfrm>
+            <a:off x="527125" y="268941"/>
+            <a:ext cx="10826675" cy="5908023"/>
+          </a:xfrm>
+        </p:spPr>
+        <p:txBody>
+          <a:bodyPr>
+            <a:normAutofit/>
+          </a:bodyPr>
+          <a:lstStyle/>
+          <a:p>
+            <a:pPr marL="0" indent="0">
+              <a:buNone/>
+            </a:pPr>
+            <a:endParaRPr lang="en-US" dirty="0"/>
+          </a:p>
+          <a:p>
+            <a:pPr marL="0" indent="0">
+              <a:buNone/>
+            </a:pPr>
+            <a:r>
+              <a:rPr lang="en-US" dirty="0"/>
+              <a:t>Tasks Completed:</a:t>
+            </a:r>
+          </a:p>
+          <a:p>
+            <a:r>
+              <a:rPr lang="en-US" sz="2200" dirty="0"/>
+              <a:t>We have analyzed Travel Insurance  dataset</a:t>
+            </a:r>
+          </a:p>
+          <a:p>
+            <a:r>
+              <a:rPr lang="en-US" sz="2200" dirty="0"/>
+              <a:t>As of now two models are generated using H2O software</a:t>
+            </a:r>
+          </a:p>
+          <a:p>
+            <a:r>
+              <a:rPr lang="en-US" sz="2200" dirty="0"/>
+              <a:t>Best hyper parameters are chosen  for the models generated</a:t>
+            </a:r>
+          </a:p>
+          <a:p>
+            <a:r>
+              <a:rPr lang="en-US" sz="2200" dirty="0"/>
+              <a:t>Conceptual Model and ER diagram are built on based on above</a:t>
+            </a:r>
+          </a:p>
+          <a:p>
+            <a:endParaRPr lang="en-US" sz="2200" dirty="0"/>
+          </a:p>
+          <a:p>
+            <a:pPr marL="0" indent="0">
+              <a:buNone/>
+            </a:pPr>
+            <a:r>
+              <a:rPr lang="en-US" dirty="0"/>
+              <a:t>Pending Tasks:</a:t>
+            </a:r>
+          </a:p>
+          <a:p>
+            <a:r>
+              <a:rPr lang="en-US" sz="2200" dirty="0"/>
+              <a:t>DS team is working on generating few more models for different runtime. Hence we may need to change our ER accordingly</a:t>
+            </a:r>
+          </a:p>
+          <a:p>
+            <a:r>
+              <a:rPr lang="en-US" sz="2200" dirty="0"/>
+              <a:t>Later normalization will be performed and physical database will be built</a:t>
+            </a:r>
+          </a:p>
+          <a:p>
+            <a:r>
+              <a:rPr lang="en-US" sz="2200" dirty="0"/>
+              <a:t>Finally, analysis will be performed on database and user cases will be created on the same</a:t>
+            </a:r>
+          </a:p>
+          <a:p>
+            <a:endParaRPr lang="en-US" dirty="0"/>
+          </a:p>
+          <a:p>
+            <a:endParaRPr lang="en-US" dirty="0"/>
+          </a:p>
+        </p:txBody>
+      </p:sp>
+    </p:spTree>
+    <p:extLst>
+      <p:ext uri="{BB962C8B-B14F-4D97-AF65-F5344CB8AC3E}">
+        <p14:creationId xmlns:p14="http://schemas.microsoft.com/office/powerpoint/2010/main" val="235142530"/>
+      </p:ext>
+    </p:extLst>
+  </p:cSld>
+  <p:clrMapOvr>
+    <a:masterClrMapping/>
+  </p:clrMapOvr>
+</p:sld>
+</file>
+
+<file path=ppt/slides/slide8.xml><?xml version="1.0" encoding="utf-8"?>
 <p:sld xmlns:a="http://schemas.openxmlformats.org/drawingml/2006/main" xmlns:r="http://schemas.openxmlformats.org/officeDocument/2006/relationships" xmlns:p="http://schemas.openxmlformats.org/presentationml/2006/main">
   <p:cSld>
     <p:bg>
